--- a/eece2160/f18/lectures/eece.2160f18_lec22_arrays_p2.pptx
+++ b/eece2160/f18/lectures/eece.2160f18_lec22_arrays_p2.pptx
@@ -1378,7 +1378,7 @@
             </a:pPr>
             <a:fld id="{8C653A6A-20BF-9F40-BC35-7348D05940CF}" type="datetime1">
               <a:rPr lang="en-US" smtClean="0"/>
-              <a:t>10/25/18</a:t>
+              <a:t>10/26/18</a:t>
             </a:fld>
             <a:endParaRPr lang="en-US"/>
           </a:p>
@@ -1583,7 +1583,7 @@
             </a:pPr>
             <a:fld id="{67549902-CF76-2145-85A8-99B1AE69B65F}" type="datetime1">
               <a:rPr lang="en-US" smtClean="0"/>
-              <a:t>10/25/18</a:t>
+              <a:t>10/26/18</a:t>
             </a:fld>
             <a:endParaRPr lang="en-US"/>
           </a:p>
@@ -1797,7 +1797,7 @@
             </a:pPr>
             <a:fld id="{5196B97D-4301-D347-AB1B-F2E209B54B45}" type="datetime1">
               <a:rPr lang="en-US" smtClean="0"/>
-              <a:t>10/25/18</a:t>
+              <a:t>10/26/18</a:t>
             </a:fld>
             <a:endParaRPr lang="en-US"/>
           </a:p>
@@ -2068,7 +2068,7 @@
             </a:pPr>
             <a:fld id="{0E71C94C-9676-6B4A-AADF-DF2E4682714E}" type="datetime1">
               <a:rPr lang="en-US" smtClean="0"/>
-              <a:t>10/25/18</a:t>
+              <a:t>10/26/18</a:t>
             </a:fld>
             <a:endParaRPr lang="en-US"/>
           </a:p>
@@ -2339,7 +2339,7 @@
             </a:pPr>
             <a:fld id="{B2C6D216-6FF1-4041-B8C1-C86AB8A5ECF3}" type="datetime1">
               <a:rPr lang="en-US" smtClean="0"/>
-              <a:t>10/25/18</a:t>
+              <a:t>10/26/18</a:t>
             </a:fld>
             <a:endParaRPr lang="en-US"/>
           </a:p>
@@ -2543,7 +2543,7 @@
             </a:pPr>
             <a:fld id="{1CAAD3CD-DEB8-2C46-A3A3-68FB346D7BD0}" type="datetime1">
               <a:rPr lang="en-US" smtClean="0"/>
-              <a:t>10/25/18</a:t>
+              <a:t>10/26/18</a:t>
             </a:fld>
             <a:endParaRPr lang="en-US"/>
           </a:p>
@@ -2769,7 +2769,7 @@
             </a:pPr>
             <a:fld id="{24B60C79-BE66-B448-A31F-CBBD4B073826}" type="datetime1">
               <a:rPr lang="en-US" smtClean="0"/>
-              <a:t>10/25/18</a:t>
+              <a:t>10/26/18</a:t>
             </a:fld>
             <a:endParaRPr lang="en-US"/>
           </a:p>
@@ -3091,7 +3091,7 @@
             </a:pPr>
             <a:fld id="{444E1716-0FB0-4E4D-A017-EC059EE51667}" type="datetime1">
               <a:rPr lang="en-US" smtClean="0"/>
-              <a:t>10/25/18</a:t>
+              <a:t>10/26/18</a:t>
             </a:fld>
             <a:endParaRPr lang="en-US"/>
           </a:p>
@@ -3552,7 +3552,7 @@
             </a:pPr>
             <a:fld id="{5E03F6D5-93D7-BD48-A215-1EFEBAE2FB74}" type="datetime1">
               <a:rPr lang="en-US" smtClean="0"/>
-              <a:t>10/25/18</a:t>
+              <a:t>10/26/18</a:t>
             </a:fld>
             <a:endParaRPr lang="en-US"/>
           </a:p>
@@ -3704,7 +3704,7 @@
             </a:pPr>
             <a:fld id="{DF8FB24B-2725-0F4F-BF45-0F237C59B714}" type="datetime1">
               <a:rPr lang="en-US" smtClean="0"/>
-              <a:t>10/25/18</a:t>
+              <a:t>10/26/18</a:t>
             </a:fld>
             <a:endParaRPr lang="en-US"/>
           </a:p>
@@ -3833,7 +3833,7 @@
             </a:pPr>
             <a:fld id="{7E0982F0-AED5-324F-99B3-CE6EEBCB972B}" type="datetime1">
               <a:rPr lang="en-US" smtClean="0"/>
-              <a:t>10/25/18</a:t>
+              <a:t>10/26/18</a:t>
             </a:fld>
             <a:endParaRPr lang="en-US"/>
           </a:p>
@@ -4144,7 +4144,7 @@
             </a:pPr>
             <a:fld id="{37899AA2-E218-2240-AAD7-29352FF95184}" type="datetime1">
               <a:rPr lang="en-US" smtClean="0"/>
-              <a:t>10/25/18</a:t>
+              <a:t>10/26/18</a:t>
             </a:fld>
             <a:endParaRPr lang="en-US"/>
           </a:p>
@@ -4432,7 +4432,7 @@
             </a:pPr>
             <a:fld id="{4CAEF5F1-0AAB-2141-85AB-E1952AA76151}" type="datetime1">
               <a:rPr lang="en-US" smtClean="0"/>
-              <a:t>10/25/18</a:t>
+              <a:t>10/26/18</a:t>
             </a:fld>
             <a:endParaRPr lang="en-US"/>
           </a:p>
@@ -4740,7 +4740,7 @@
             </a:pPr>
             <a:fld id="{68309595-1152-3A46-85CE-03D1364ED48F}" type="datetime1">
               <a:rPr lang="en-US" smtClean="0"/>
-              <a:t>10/25/18</a:t>
+              <a:t>10/26/18</a:t>
             </a:fld>
             <a:endParaRPr lang="en-US"/>
           </a:p>
@@ -5982,7 +5982,7 @@
               <a:rPr lang="en-US" sz="1200" smtClean="0">
                 <a:latin typeface="Garamond" charset="0"/>
               </a:rPr>
-              <a:t>10/25/18</a:t>
+              <a:t>10/26/18</a:t>
             </a:fld>
             <a:endParaRPr lang="en-US" sz="1200">
               <a:latin typeface="Garamond" charset="0"/>
@@ -6216,12 +6216,314 @@
       </p:sp>
       <p:sp>
         <p:nvSpPr>
+          <p:cNvPr id="2" name="Content Placeholder 1"/>
+          <p:cNvSpPr>
+            <a:spLocks noGrp="1"/>
+          </p:cNvSpPr>
+          <p:nvPr>
+            <p:ph idx="1"/>
+          </p:nvPr>
+        </p:nvSpPr>
+        <p:spPr/>
+        <p:txBody>
+          <a:bodyPr>
+            <a:normAutofit/>
+          </a:bodyPr>
+          <a:lstStyle/>
+          <a:p>
+            <a:pPr marL="0" indent="0">
+              <a:spcBef>
+                <a:spcPct val="50000"/>
+              </a:spcBef>
+              <a:buNone/>
+            </a:pPr>
+            <a:r>
+              <a:rPr lang="en-US" sz="3200" b="1" dirty="0" smtClean="0">
+                <a:latin typeface="Courier New" charset="0"/>
+              </a:rPr>
+              <a:t>double </a:t>
+            </a:r>
+            <a:r>
+              <a:rPr lang="en-US" sz="3200" b="1" dirty="0" err="1">
+                <a:latin typeface="Courier New" charset="0"/>
+              </a:rPr>
+              <a:t>findAvg</a:t>
+            </a:r>
+            <a:r>
+              <a:rPr lang="en-US" sz="3200" b="1" dirty="0">
+                <a:latin typeface="Courier New" charset="0"/>
+              </a:rPr>
+              <a:t>(double </a:t>
+            </a:r>
+            <a:r>
+              <a:rPr lang="en-US" sz="3200" b="1" dirty="0" err="1">
+                <a:latin typeface="Courier New" charset="0"/>
+              </a:rPr>
+              <a:t>arr</a:t>
+            </a:r>
+            <a:r>
+              <a:rPr lang="en-US" sz="3200" b="1" dirty="0">
+                <a:latin typeface="Courier New" charset="0"/>
+              </a:rPr>
+              <a:t>[], </a:t>
+            </a:r>
+            <a:endParaRPr lang="en-US" sz="3200" b="1" dirty="0" smtClean="0">
+              <a:latin typeface="Courier New" charset="0"/>
+            </a:endParaRPr>
+          </a:p>
+          <a:p>
+            <a:pPr marL="0" indent="0">
+              <a:spcBef>
+                <a:spcPts val="0"/>
+              </a:spcBef>
+              <a:buNone/>
+            </a:pPr>
+            <a:r>
+              <a:rPr lang="en-US" sz="3200" b="1" dirty="0">
+                <a:latin typeface="Courier New" charset="0"/>
+              </a:rPr>
+              <a:t>	</a:t>
+            </a:r>
+            <a:r>
+              <a:rPr lang="en-US" sz="3200" b="1" dirty="0" smtClean="0">
+                <a:latin typeface="Courier New" charset="0"/>
+              </a:rPr>
+              <a:t>					</a:t>
+            </a:r>
+            <a:r>
+              <a:rPr lang="en-US" sz="3200" b="1" dirty="0" err="1" smtClean="0">
+                <a:latin typeface="Courier New" charset="0"/>
+              </a:rPr>
+              <a:t>int</a:t>
+            </a:r>
+            <a:r>
+              <a:rPr lang="en-US" sz="3200" b="1" dirty="0" smtClean="0">
+                <a:latin typeface="Courier New" charset="0"/>
+              </a:rPr>
+              <a:t> </a:t>
+            </a:r>
+            <a:r>
+              <a:rPr lang="en-US" sz="3200" b="1" dirty="0">
+                <a:latin typeface="Courier New" charset="0"/>
+              </a:rPr>
+              <a:t>n)</a:t>
+            </a:r>
+            <a:br>
+              <a:rPr lang="en-US" sz="3200" b="1" dirty="0">
+                <a:latin typeface="Courier New" charset="0"/>
+              </a:rPr>
+            </a:br>
+            <a:r>
+              <a:rPr lang="en-US" sz="3200" b="1" dirty="0">
+                <a:latin typeface="Courier New" charset="0"/>
+              </a:rPr>
+              <a:t>{</a:t>
+            </a:r>
+            <a:br>
+              <a:rPr lang="en-US" sz="3200" b="1" dirty="0">
+                <a:latin typeface="Courier New" charset="0"/>
+              </a:rPr>
+            </a:br>
+            <a:r>
+              <a:rPr lang="en-US" sz="3200" b="1" dirty="0">
+                <a:latin typeface="Courier New" charset="0"/>
+              </a:rPr>
+              <a:t>  </a:t>
+            </a:r>
+            <a:r>
+              <a:rPr lang="en-US" sz="3200" b="1" dirty="0" err="1">
+                <a:latin typeface="Courier New" charset="0"/>
+              </a:rPr>
+              <a:t>int</a:t>
+            </a:r>
+            <a:r>
+              <a:rPr lang="en-US" sz="3200" b="1" dirty="0">
+                <a:latin typeface="Courier New" charset="0"/>
+              </a:rPr>
+              <a:t> </a:t>
+            </a:r>
+            <a:r>
+              <a:rPr lang="en-US" sz="3200" b="1" dirty="0" err="1">
+                <a:latin typeface="Courier New" charset="0"/>
+              </a:rPr>
+              <a:t>i</a:t>
+            </a:r>
+            <a:r>
+              <a:rPr lang="en-US" sz="3200" b="1" dirty="0">
+                <a:latin typeface="Courier New" charset="0"/>
+              </a:rPr>
+              <a:t>;</a:t>
+            </a:r>
+          </a:p>
+          <a:p>
+            <a:pPr marL="0" indent="0">
+              <a:buNone/>
+            </a:pPr>
+            <a:r>
+              <a:rPr lang="en-US" sz="3200" b="1" dirty="0">
+                <a:latin typeface="Courier New" charset="0"/>
+              </a:rPr>
+              <a:t>  double </a:t>
+            </a:r>
+            <a:r>
+              <a:rPr lang="en-US" sz="3200" b="1" dirty="0" smtClean="0">
+                <a:latin typeface="Courier New" charset="0"/>
+              </a:rPr>
+              <a:t>sum = 0</a:t>
+            </a:r>
+            <a:r>
+              <a:rPr lang="en-US" sz="3200" b="1" dirty="0">
+                <a:latin typeface="Courier New" charset="0"/>
+              </a:rPr>
+              <a:t>;</a:t>
+            </a:r>
+            <a:br>
+              <a:rPr lang="en-US" sz="3200" b="1" dirty="0">
+                <a:latin typeface="Courier New" charset="0"/>
+              </a:rPr>
+            </a:br>
+            <a:r>
+              <a:rPr lang="en-US" sz="3200" b="1" dirty="0">
+                <a:latin typeface="Courier New" charset="0"/>
+              </a:rPr>
+              <a:t>  for (</a:t>
+            </a:r>
+            <a:r>
+              <a:rPr lang="en-US" sz="3200" b="1" dirty="0" err="1">
+                <a:latin typeface="Courier New" charset="0"/>
+              </a:rPr>
+              <a:t>i</a:t>
+            </a:r>
+            <a:r>
+              <a:rPr lang="en-US" sz="3200" b="1" dirty="0">
+                <a:latin typeface="Courier New" charset="0"/>
+              </a:rPr>
+              <a:t>=0; </a:t>
+            </a:r>
+            <a:r>
+              <a:rPr lang="en-US" sz="3200" b="1" dirty="0" err="1" smtClean="0">
+                <a:latin typeface="Courier New" charset="0"/>
+              </a:rPr>
+              <a:t>i</a:t>
+            </a:r>
+            <a:r>
+              <a:rPr lang="en-US" sz="3200" b="1" dirty="0" smtClean="0">
+                <a:latin typeface="Courier New" charset="0"/>
+              </a:rPr>
+              <a:t> &lt; n</a:t>
+            </a:r>
+            <a:r>
+              <a:rPr lang="en-US" sz="3200" b="1" dirty="0">
+                <a:latin typeface="Courier New" charset="0"/>
+              </a:rPr>
+              <a:t>; </a:t>
+            </a:r>
+            <a:r>
+              <a:rPr lang="en-US" sz="3200" b="1" dirty="0" err="1">
+                <a:latin typeface="Courier New" charset="0"/>
+              </a:rPr>
+              <a:t>i</a:t>
+            </a:r>
+            <a:r>
+              <a:rPr lang="en-US" sz="3200" b="1" dirty="0">
+                <a:latin typeface="Courier New" charset="0"/>
+              </a:rPr>
+              <a:t>++)</a:t>
+            </a:r>
+            <a:br>
+              <a:rPr lang="en-US" sz="3200" b="1" dirty="0">
+                <a:latin typeface="Courier New" charset="0"/>
+              </a:rPr>
+            </a:br>
+            <a:r>
+              <a:rPr lang="en-US" sz="3200" b="1" dirty="0">
+                <a:latin typeface="Courier New" charset="0"/>
+              </a:rPr>
+              <a:t>    </a:t>
+            </a:r>
+            <a:r>
+              <a:rPr lang="en-US" sz="3200" b="1" dirty="0" smtClean="0">
+                <a:latin typeface="Courier New" charset="0"/>
+              </a:rPr>
+              <a:t>sum += </a:t>
+            </a:r>
+            <a:r>
+              <a:rPr lang="en-US" sz="3200" b="1" dirty="0" err="1" smtClean="0">
+                <a:latin typeface="Courier New" charset="0"/>
+              </a:rPr>
+              <a:t>arr</a:t>
+            </a:r>
+            <a:r>
+              <a:rPr lang="en-US" sz="3200" b="1" dirty="0" smtClean="0">
+                <a:latin typeface="Courier New" charset="0"/>
+              </a:rPr>
+              <a:t>[</a:t>
+            </a:r>
+            <a:r>
+              <a:rPr lang="en-US" sz="3200" b="1" dirty="0" err="1" smtClean="0">
+                <a:latin typeface="Courier New" charset="0"/>
+              </a:rPr>
+              <a:t>i</a:t>
+            </a:r>
+            <a:r>
+              <a:rPr lang="en-US" sz="3200" b="1" dirty="0">
+                <a:latin typeface="Courier New" charset="0"/>
+              </a:rPr>
+              <a:t>];</a:t>
+            </a:r>
+            <a:br>
+              <a:rPr lang="en-US" sz="3200" b="1" dirty="0">
+                <a:latin typeface="Courier New" charset="0"/>
+              </a:rPr>
+            </a:br>
+            <a:r>
+              <a:rPr lang="en-US" sz="3200" b="1" dirty="0">
+                <a:latin typeface="Courier New" charset="0"/>
+              </a:rPr>
+              <a:t>  return sum / n;</a:t>
+            </a:r>
+            <a:br>
+              <a:rPr lang="en-US" sz="3200" b="1" dirty="0">
+                <a:latin typeface="Courier New" charset="0"/>
+              </a:rPr>
+            </a:br>
+            <a:r>
+              <a:rPr lang="en-US" sz="3200" b="1" dirty="0">
+                <a:latin typeface="Courier New" charset="0"/>
+              </a:rPr>
+              <a:t>}</a:t>
+            </a:r>
+          </a:p>
+          <a:p>
+            <a:pPr marL="0" marR="0" lvl="0" indent="0" defTabSz="914400" eaLnBrk="1" fontAlgn="auto" latinLnBrk="0" hangingPunct="1">
+              <a:lnSpc>
+                <a:spcPct val="100000"/>
+              </a:lnSpc>
+              <a:spcBef>
+                <a:spcPts val="0"/>
+              </a:spcBef>
+              <a:spcAft>
+                <a:spcPts val="0"/>
+              </a:spcAft>
+              <a:buClrTx/>
+              <a:buSzTx/>
+              <a:buFontTx/>
+              <a:buNone/>
+              <a:tabLst/>
+              <a:defRPr/>
+            </a:pPr>
+            <a:endParaRPr lang="en-US" dirty="0"/>
+          </a:p>
+        </p:txBody>
+      </p:sp>
+      <p:sp>
+        <p:nvSpPr>
           <p:cNvPr id="14339" name="Date Placeholder 3"/>
           <p:cNvSpPr>
             <a:spLocks noGrp="1"/>
           </p:cNvSpPr>
           <p:nvPr>
-            <p:ph type="dt" sz="quarter" idx="10"/>
+            <p:ph type="dt" sz="half" idx="10"/>
           </p:nvPr>
         </p:nvSpPr>
         <p:spPr>
@@ -6342,7 +6644,7 @@
               <a:rPr lang="en-US" sz="1200" smtClean="0">
                 <a:latin typeface="Garamond" charset="0"/>
               </a:rPr>
-              <a:t>10/25/18</a:t>
+              <a:t>10/26/18</a:t>
             </a:fld>
             <a:endParaRPr lang="en-US" sz="1200">
               <a:latin typeface="Garamond" charset="0"/>
@@ -6510,326 +6812,6 @@
             <a:endParaRPr lang="en-US" sz="1200">
               <a:latin typeface="Garamond" charset="0"/>
             </a:endParaRPr>
-          </a:p>
-        </p:txBody>
-      </p:sp>
-      <p:sp>
-        <p:nvSpPr>
-          <p:cNvPr id="14342" name="Text Box 3"/>
-          <p:cNvSpPr txBox="1">
-            <a:spLocks noChangeArrowheads="1"/>
-          </p:cNvSpPr>
-          <p:nvPr/>
-        </p:nvSpPr>
-        <p:spPr bwMode="auto">
-          <a:xfrm>
-            <a:off x="381000" y="1003300"/>
-            <a:ext cx="8610600" cy="4940300"/>
-          </a:xfrm>
-          <a:prstGeom prst="rect">
-            <a:avLst/>
-          </a:prstGeom>
-          <a:noFill/>
-          <a:ln>
-            <a:noFill/>
-          </a:ln>
-          <a:extLst>
-            <a:ext uri="{909E8E84-426E-40DD-AFC4-6F175D3DCCD1}">
-              <a14:hiddenFill xmlns:a14="http://schemas.microsoft.com/office/drawing/2010/main">
-                <a:solidFill>
-                  <a:srgbClr val="FFFFFF"/>
-                </a:solidFill>
-              </a14:hiddenFill>
-            </a:ext>
-            <a:ext uri="{91240B29-F687-4F45-9708-019B960494DF}">
-              <a14:hiddenLine xmlns:a14="http://schemas.microsoft.com/office/drawing/2010/main" w="9525">
-                <a:solidFill>
-                  <a:srgbClr val="000000"/>
-                </a:solidFill>
-                <a:miter lim="800000"/>
-                <a:headEnd/>
-                <a:tailEnd/>
-              </a14:hiddenLine>
-            </a:ext>
-          </a:extLst>
-        </p:spPr>
-        <p:txBody>
-          <a:bodyPr>
-            <a:spAutoFit/>
-          </a:bodyPr>
-          <a:lstStyle>
-            <a:lvl1pPr>
-              <a:defRPr sz="3000">
-                <a:solidFill>
-                  <a:schemeClr val="tx1"/>
-                </a:solidFill>
-                <a:latin typeface="Arial" charset="0"/>
-                <a:ea typeface="ＭＳ Ｐゴシック" charset="0"/>
-                <a:cs typeface="ＭＳ Ｐゴシック" charset="0"/>
-              </a:defRPr>
-            </a:lvl1pPr>
-            <a:lvl2pPr marL="742950" indent="-285750">
-              <a:defRPr sz="2600">
-                <a:solidFill>
-                  <a:schemeClr val="tx1"/>
-                </a:solidFill>
-                <a:latin typeface="Arial" charset="0"/>
-                <a:ea typeface="ＭＳ Ｐゴシック" charset="0"/>
-              </a:defRPr>
-            </a:lvl2pPr>
-            <a:lvl3pPr marL="1143000" indent="-228600">
-              <a:defRPr sz="2200">
-                <a:solidFill>
-                  <a:schemeClr val="tx1"/>
-                </a:solidFill>
-                <a:latin typeface="Arial" charset="0"/>
-                <a:ea typeface="ＭＳ Ｐゴシック" charset="0"/>
-              </a:defRPr>
-            </a:lvl3pPr>
-            <a:lvl4pPr marL="1600200" indent="-228600">
-              <a:defRPr sz="2000">
-                <a:solidFill>
-                  <a:schemeClr val="tx1"/>
-                </a:solidFill>
-                <a:latin typeface="Arial" charset="0"/>
-                <a:ea typeface="ＭＳ Ｐゴシック" charset="0"/>
-              </a:defRPr>
-            </a:lvl4pPr>
-            <a:lvl5pPr marL="2057400" indent="-228600">
-              <a:defRPr sz="2000">
-                <a:solidFill>
-                  <a:schemeClr val="tx1"/>
-                </a:solidFill>
-                <a:latin typeface="Arial" charset="0"/>
-                <a:ea typeface="ＭＳ Ｐゴシック" charset="0"/>
-              </a:defRPr>
-            </a:lvl5pPr>
-            <a:lvl6pPr marL="2514600" indent="-228600" eaLnBrk="0" hangingPunct="0">
-              <a:buFont typeface="Wingdings" charset="0"/>
-              <a:defRPr sz="2000">
-                <a:solidFill>
-                  <a:schemeClr val="tx1"/>
-                </a:solidFill>
-                <a:latin typeface="Arial" charset="0"/>
-                <a:ea typeface="ＭＳ Ｐゴシック" charset="0"/>
-              </a:defRPr>
-            </a:lvl6pPr>
-            <a:lvl7pPr marL="2971800" indent="-228600" eaLnBrk="0" hangingPunct="0">
-              <a:buFont typeface="Wingdings" charset="0"/>
-              <a:defRPr sz="2000">
-                <a:solidFill>
-                  <a:schemeClr val="tx1"/>
-                </a:solidFill>
-                <a:latin typeface="Arial" charset="0"/>
-                <a:ea typeface="ＭＳ Ｐゴシック" charset="0"/>
-              </a:defRPr>
-            </a:lvl7pPr>
-            <a:lvl8pPr marL="3429000" indent="-228600" eaLnBrk="0" hangingPunct="0">
-              <a:buFont typeface="Wingdings" charset="0"/>
-              <a:defRPr sz="2000">
-                <a:solidFill>
-                  <a:schemeClr val="tx1"/>
-                </a:solidFill>
-                <a:latin typeface="Arial" charset="0"/>
-                <a:ea typeface="ＭＳ Ｐゴシック" charset="0"/>
-              </a:defRPr>
-            </a:lvl8pPr>
-            <a:lvl9pPr marL="3886200" indent="-228600" eaLnBrk="0" hangingPunct="0">
-              <a:buFont typeface="Wingdings" charset="0"/>
-              <a:defRPr sz="2000">
-                <a:solidFill>
-                  <a:schemeClr val="tx1"/>
-                </a:solidFill>
-                <a:latin typeface="Arial" charset="0"/>
-                <a:ea typeface="ＭＳ Ｐゴシック" charset="0"/>
-              </a:defRPr>
-            </a:lvl9pPr>
-          </a:lstStyle>
-          <a:p>
-            <a:pPr>
-              <a:spcBef>
-                <a:spcPct val="50000"/>
-              </a:spcBef>
-            </a:pPr>
-            <a:r>
-              <a:rPr lang="en-US" sz="1800" b="1">
-                <a:latin typeface="Courier New" charset="0"/>
-              </a:rPr>
-              <a:t>//*******************************************</a:t>
-            </a:r>
-            <a:br>
-              <a:rPr lang="en-US" sz="1800" b="1">
-                <a:latin typeface="Courier New" charset="0"/>
-              </a:rPr>
-            </a:br>
-            <a:r>
-              <a:rPr lang="en-US" sz="1800" b="1">
-                <a:latin typeface="Courier New" charset="0"/>
-              </a:rPr>
-              <a:t>// function findAvg</a:t>
-            </a:r>
-            <a:br>
-              <a:rPr lang="en-US" sz="1800" b="1">
-                <a:latin typeface="Courier New" charset="0"/>
-              </a:rPr>
-            </a:br>
-            <a:r>
-              <a:rPr lang="en-US" sz="1800" b="1">
-                <a:latin typeface="Courier New" charset="0"/>
-              </a:rPr>
-              <a:t>// On Entry:</a:t>
-            </a:r>
-            <a:br>
-              <a:rPr lang="en-US" sz="1800" b="1">
-                <a:latin typeface="Courier New" charset="0"/>
-              </a:rPr>
-            </a:br>
-            <a:r>
-              <a:rPr lang="en-US" sz="1800" b="1">
-                <a:latin typeface="Courier New" charset="0"/>
-              </a:rPr>
-              <a:t>//   arr[] - array with values to avg</a:t>
-            </a:r>
-            <a:br>
-              <a:rPr lang="en-US" sz="1800" b="1">
-                <a:latin typeface="Courier New" charset="0"/>
-              </a:rPr>
-            </a:br>
-            <a:r>
-              <a:rPr lang="en-US" sz="1800" b="1">
-                <a:latin typeface="Courier New" charset="0"/>
-              </a:rPr>
-              <a:t>//   n      - number of values to avg</a:t>
-            </a:r>
-            <a:br>
-              <a:rPr lang="en-US" sz="1800" b="1">
-                <a:latin typeface="Courier New" charset="0"/>
-              </a:rPr>
-            </a:br>
-            <a:r>
-              <a:rPr lang="en-US" sz="1800" b="1">
-                <a:latin typeface="Courier New" charset="0"/>
-              </a:rPr>
-              <a:t>// On Exit:</a:t>
-            </a:r>
-            <a:br>
-              <a:rPr lang="en-US" sz="1800" b="1">
-                <a:latin typeface="Courier New" charset="0"/>
-              </a:rPr>
-            </a:br>
-            <a:r>
-              <a:rPr lang="en-US" sz="1800" b="1">
-                <a:latin typeface="Courier New" charset="0"/>
-              </a:rPr>
-              <a:t>//   returns avg of first n elements of test[]</a:t>
-            </a:r>
-            <a:br>
-              <a:rPr lang="en-US" sz="1800" b="1">
-                <a:latin typeface="Courier New" charset="0"/>
-              </a:rPr>
-            </a:br>
-            <a:r>
-              <a:rPr lang="en-US" sz="1800" b="1">
-                <a:latin typeface="Courier New" charset="0"/>
-              </a:rPr>
-              <a:t>double findAvg(double arr[], int n)</a:t>
-            </a:r>
-            <a:br>
-              <a:rPr lang="en-US" sz="1800" b="1">
-                <a:latin typeface="Courier New" charset="0"/>
-              </a:rPr>
-            </a:br>
-            <a:r>
-              <a:rPr lang="en-US" sz="1800" b="1">
-                <a:latin typeface="Courier New" charset="0"/>
-              </a:rPr>
-              <a:t>{</a:t>
-            </a:r>
-            <a:br>
-              <a:rPr lang="en-US" sz="1800" b="1">
-                <a:latin typeface="Courier New" charset="0"/>
-              </a:rPr>
-            </a:br>
-            <a:r>
-              <a:rPr lang="en-US" sz="1800" b="1">
-                <a:latin typeface="Courier New" charset="0"/>
-              </a:rPr>
-              <a:t>  int i;</a:t>
-            </a:r>
-          </a:p>
-          <a:p>
-            <a:r>
-              <a:rPr lang="en-US" sz="1800" b="1">
-                <a:latin typeface="Courier New" charset="0"/>
-              </a:rPr>
-              <a:t>  double sum=0;</a:t>
-            </a:r>
-            <a:br>
-              <a:rPr lang="en-US" sz="1800" b="1">
-                <a:latin typeface="Courier New" charset="0"/>
-              </a:rPr>
-            </a:br>
-            <a:r>
-              <a:rPr lang="en-US" sz="1800" b="1">
-                <a:latin typeface="Courier New" charset="0"/>
-              </a:rPr>
-              <a:t>  double avg;</a:t>
-            </a:r>
-            <a:br>
-              <a:rPr lang="en-US" sz="1800" b="1">
-                <a:latin typeface="Courier New" charset="0"/>
-              </a:rPr>
-            </a:br>
-            <a:r>
-              <a:rPr lang="en-US" sz="1800" b="1">
-                <a:latin typeface="Courier New" charset="0"/>
-              </a:rPr>
-              <a:t>  for (i=0; i&lt;n; i++)</a:t>
-            </a:r>
-            <a:br>
-              <a:rPr lang="en-US" sz="1800" b="1">
-                <a:latin typeface="Courier New" charset="0"/>
-              </a:rPr>
-            </a:br>
-            <a:r>
-              <a:rPr lang="en-US" sz="1800" b="1">
-                <a:latin typeface="Courier New" charset="0"/>
-              </a:rPr>
-              <a:t>    sum+=arr[i];</a:t>
-            </a:r>
-            <a:br>
-              <a:rPr lang="en-US" sz="1800" b="1">
-                <a:latin typeface="Courier New" charset="0"/>
-              </a:rPr>
-            </a:br>
-            <a:r>
-              <a:rPr lang="en-US" sz="1800" b="1">
-                <a:latin typeface="Courier New" charset="0"/>
-              </a:rPr>
-              <a:t>  avg = sum / n;</a:t>
-            </a:r>
-            <a:br>
-              <a:rPr lang="en-US" sz="1800" b="1">
-                <a:latin typeface="Courier New" charset="0"/>
-              </a:rPr>
-            </a:br>
-            <a:r>
-              <a:rPr lang="en-US" sz="1800" b="1">
-                <a:latin typeface="Courier New" charset="0"/>
-              </a:rPr>
-              <a:t>  return avg;</a:t>
-            </a:r>
-            <a:br>
-              <a:rPr lang="en-US" sz="1800" b="1">
-                <a:latin typeface="Courier New" charset="0"/>
-              </a:rPr>
-            </a:br>
-            <a:r>
-              <a:rPr lang="en-US" sz="1800" b="1">
-                <a:latin typeface="Courier New" charset="0"/>
-              </a:rPr>
-              <a:t>}</a:t>
-            </a:r>
           </a:p>
         </p:txBody>
       </p:sp>
@@ -6896,12 +6878,401 @@
       </p:sp>
       <p:sp>
         <p:nvSpPr>
+          <p:cNvPr id="2" name="Content Placeholder 1"/>
+          <p:cNvSpPr>
+            <a:spLocks noGrp="1"/>
+          </p:cNvSpPr>
+          <p:nvPr>
+            <p:ph idx="1"/>
+          </p:nvPr>
+        </p:nvSpPr>
+        <p:spPr/>
+        <p:txBody>
+          <a:bodyPr/>
+          <a:lstStyle/>
+          <a:p>
+            <a:pPr marL="0" indent="0" eaLnBrk="1" fontAlgn="auto" hangingPunct="1">
+              <a:spcBef>
+                <a:spcPts val="0"/>
+              </a:spcBef>
+              <a:spcAft>
+                <a:spcPts val="0"/>
+              </a:spcAft>
+              <a:buClrTx/>
+              <a:buSzTx/>
+              <a:buNone/>
+            </a:pPr>
+            <a:r>
+              <a:rPr lang="en-US" sz="3200" b="1" dirty="0" err="1">
+                <a:latin typeface="Courier New" charset="0"/>
+              </a:rPr>
+              <a:t>int</a:t>
+            </a:r>
+            <a:r>
+              <a:rPr lang="en-US" sz="3200" b="1" dirty="0">
+                <a:latin typeface="Courier New" charset="0"/>
+              </a:rPr>
+              <a:t> </a:t>
+            </a:r>
+            <a:r>
+              <a:rPr lang="en-US" sz="3200" b="1" dirty="0" err="1">
+                <a:latin typeface="Courier New" charset="0"/>
+              </a:rPr>
+              <a:t>findMax</a:t>
+            </a:r>
+            <a:r>
+              <a:rPr lang="en-US" sz="3200" b="1" dirty="0">
+                <a:latin typeface="Courier New" charset="0"/>
+              </a:rPr>
+              <a:t>(</a:t>
+            </a:r>
+            <a:r>
+              <a:rPr lang="en-US" sz="3200" b="1" dirty="0" err="1">
+                <a:latin typeface="Courier New" charset="0"/>
+              </a:rPr>
+              <a:t>int</a:t>
+            </a:r>
+            <a:r>
+              <a:rPr lang="en-US" sz="3200" b="1" dirty="0">
+                <a:latin typeface="Courier New" charset="0"/>
+              </a:rPr>
+              <a:t> </a:t>
+            </a:r>
+            <a:r>
+              <a:rPr lang="en-US" sz="3200" b="1" dirty="0" err="1">
+                <a:latin typeface="Courier New" charset="0"/>
+              </a:rPr>
+              <a:t>arr</a:t>
+            </a:r>
+            <a:r>
+              <a:rPr lang="en-US" sz="3200" b="1" dirty="0">
+                <a:latin typeface="Courier New" charset="0"/>
+              </a:rPr>
+              <a:t>[], </a:t>
+            </a:r>
+            <a:r>
+              <a:rPr lang="en-US" sz="3200" b="1" dirty="0" err="1">
+                <a:latin typeface="Courier New" charset="0"/>
+              </a:rPr>
+              <a:t>int</a:t>
+            </a:r>
+            <a:r>
+              <a:rPr lang="en-US" sz="3200" b="1" dirty="0">
+                <a:latin typeface="Courier New" charset="0"/>
+              </a:rPr>
+              <a:t> n)</a:t>
+            </a:r>
+            <a:br>
+              <a:rPr lang="en-US" sz="3200" b="1" dirty="0">
+                <a:latin typeface="Courier New" charset="0"/>
+              </a:rPr>
+            </a:br>
+            <a:r>
+              <a:rPr lang="en-US" sz="3200" b="1" dirty="0">
+                <a:latin typeface="Courier New" charset="0"/>
+              </a:rPr>
+              <a:t>{</a:t>
+            </a:r>
+            <a:br>
+              <a:rPr lang="en-US" sz="3200" b="1" dirty="0">
+                <a:latin typeface="Courier New" charset="0"/>
+              </a:rPr>
+            </a:br>
+            <a:r>
+              <a:rPr lang="en-US" sz="3200" b="1" dirty="0">
+                <a:latin typeface="Courier New" charset="0"/>
+              </a:rPr>
+              <a:t>  </a:t>
+            </a:r>
+            <a:r>
+              <a:rPr lang="en-US" sz="3200" b="1" dirty="0" err="1">
+                <a:latin typeface="Courier New" charset="0"/>
+              </a:rPr>
+              <a:t>int</a:t>
+            </a:r>
+            <a:r>
+              <a:rPr lang="en-US" sz="3200" b="1" dirty="0">
+                <a:latin typeface="Courier New" charset="0"/>
+              </a:rPr>
+              <a:t> </a:t>
+            </a:r>
+            <a:r>
+              <a:rPr lang="en-US" sz="3200" b="1" dirty="0" err="1">
+                <a:latin typeface="Courier New" charset="0"/>
+              </a:rPr>
+              <a:t>i</a:t>
+            </a:r>
+            <a:r>
+              <a:rPr lang="en-US" sz="3200" b="1" dirty="0">
+                <a:latin typeface="Courier New" charset="0"/>
+              </a:rPr>
+              <a:t>, big;</a:t>
+            </a:r>
+            <a:br>
+              <a:rPr lang="en-US" sz="3200" b="1" dirty="0">
+                <a:latin typeface="Courier New" charset="0"/>
+              </a:rPr>
+            </a:br>
+            <a:r>
+              <a:rPr lang="en-US" sz="3200" b="1" dirty="0">
+                <a:latin typeface="Courier New" charset="0"/>
+              </a:rPr>
+              <a:t>  big = </a:t>
+            </a:r>
+            <a:r>
+              <a:rPr lang="en-US" sz="3200" b="1" dirty="0" err="1">
+                <a:latin typeface="Courier New" charset="0"/>
+              </a:rPr>
+              <a:t>arr</a:t>
+            </a:r>
+            <a:r>
+              <a:rPr lang="en-US" sz="3200" b="1" dirty="0">
+                <a:latin typeface="Courier New" charset="0"/>
+              </a:rPr>
+              <a:t>[0];</a:t>
+            </a:r>
+            <a:br>
+              <a:rPr lang="en-US" sz="3200" b="1" dirty="0">
+                <a:latin typeface="Courier New" charset="0"/>
+              </a:rPr>
+            </a:br>
+            <a:r>
+              <a:rPr lang="en-US" sz="3200" b="1" dirty="0">
+                <a:latin typeface="Courier New" charset="0"/>
+              </a:rPr>
+              <a:t>  for (</a:t>
+            </a:r>
+            <a:r>
+              <a:rPr lang="en-US" sz="3200" b="1" dirty="0" err="1">
+                <a:latin typeface="Courier New" charset="0"/>
+              </a:rPr>
+              <a:t>i</a:t>
+            </a:r>
+            <a:r>
+              <a:rPr lang="en-US" sz="3200" b="1" dirty="0">
+                <a:latin typeface="Courier New" charset="0"/>
+              </a:rPr>
+              <a:t>=1; </a:t>
+            </a:r>
+            <a:r>
+              <a:rPr lang="en-US" sz="3200" b="1" dirty="0" err="1" smtClean="0">
+                <a:latin typeface="Courier New" charset="0"/>
+              </a:rPr>
+              <a:t>i</a:t>
+            </a:r>
+            <a:r>
+              <a:rPr lang="en-US" sz="3200" b="1" dirty="0" smtClean="0">
+                <a:latin typeface="Courier New" charset="0"/>
+              </a:rPr>
+              <a:t> &lt; n</a:t>
+            </a:r>
+            <a:r>
+              <a:rPr lang="en-US" sz="3200" b="1" dirty="0">
+                <a:latin typeface="Courier New" charset="0"/>
+              </a:rPr>
+              <a:t>; </a:t>
+            </a:r>
+            <a:r>
+              <a:rPr lang="en-US" sz="3200" b="1" dirty="0" err="1">
+                <a:latin typeface="Courier New" charset="0"/>
+              </a:rPr>
+              <a:t>i</a:t>
+            </a:r>
+            <a:r>
+              <a:rPr lang="en-US" sz="3200" b="1" dirty="0" smtClean="0">
+                <a:latin typeface="Courier New" charset="0"/>
+              </a:rPr>
+              <a:t>++) {</a:t>
+            </a:r>
+            <a:r>
+              <a:rPr lang="en-US" sz="3200" b="1" dirty="0">
+                <a:latin typeface="Courier New" charset="0"/>
+              </a:rPr>
+              <a:t/>
+            </a:r>
+            <a:br>
+              <a:rPr lang="en-US" sz="3200" b="1" dirty="0">
+                <a:latin typeface="Courier New" charset="0"/>
+              </a:rPr>
+            </a:br>
+            <a:r>
+              <a:rPr lang="en-US" sz="3200" b="1" dirty="0">
+                <a:latin typeface="Courier New" charset="0"/>
+              </a:rPr>
+              <a:t>    if (</a:t>
+            </a:r>
+            <a:r>
+              <a:rPr lang="en-US" sz="3200" b="1" dirty="0" err="1">
+                <a:latin typeface="Courier New" charset="0"/>
+              </a:rPr>
+              <a:t>arr</a:t>
+            </a:r>
+            <a:r>
+              <a:rPr lang="en-US" sz="3200" b="1" dirty="0">
+                <a:latin typeface="Courier New" charset="0"/>
+              </a:rPr>
+              <a:t>[</a:t>
+            </a:r>
+            <a:r>
+              <a:rPr lang="en-US" sz="3200" b="1" dirty="0" err="1">
+                <a:latin typeface="Courier New" charset="0"/>
+              </a:rPr>
+              <a:t>i</a:t>
+            </a:r>
+            <a:r>
+              <a:rPr lang="en-US" sz="3200" b="1" dirty="0" smtClean="0">
+                <a:latin typeface="Courier New" charset="0"/>
+              </a:rPr>
+              <a:t>] &gt; big</a:t>
+            </a:r>
+            <a:r>
+              <a:rPr lang="en-US" sz="3200" b="1" dirty="0">
+                <a:latin typeface="Courier New" charset="0"/>
+              </a:rPr>
+              <a:t>) </a:t>
+            </a:r>
+            <a:endParaRPr lang="en-US" sz="3200" b="1" dirty="0" smtClean="0">
+              <a:latin typeface="Courier New" charset="0"/>
+            </a:endParaRPr>
+          </a:p>
+          <a:p>
+            <a:pPr marL="0" indent="0" eaLnBrk="1" fontAlgn="auto" hangingPunct="1">
+              <a:spcBef>
+                <a:spcPts val="0"/>
+              </a:spcBef>
+              <a:spcAft>
+                <a:spcPts val="0"/>
+              </a:spcAft>
+              <a:buClrTx/>
+              <a:buSzTx/>
+              <a:buNone/>
+            </a:pPr>
+            <a:r>
+              <a:rPr lang="en-US" sz="3200" b="1" dirty="0">
+                <a:latin typeface="Courier New" charset="0"/>
+              </a:rPr>
+              <a:t>	</a:t>
+            </a:r>
+            <a:r>
+              <a:rPr lang="en-US" sz="3200" b="1" dirty="0" smtClean="0">
+                <a:latin typeface="Courier New" charset="0"/>
+              </a:rPr>
+              <a:t>	big </a:t>
+            </a:r>
+            <a:r>
+              <a:rPr lang="en-US" sz="3200" b="1" dirty="0">
+                <a:latin typeface="Courier New" charset="0"/>
+              </a:rPr>
+              <a:t>= </a:t>
+            </a:r>
+            <a:r>
+              <a:rPr lang="en-US" sz="3200" b="1" dirty="0" err="1">
+                <a:latin typeface="Courier New" charset="0"/>
+              </a:rPr>
+              <a:t>arr</a:t>
+            </a:r>
+            <a:r>
+              <a:rPr lang="en-US" sz="3200" b="1" dirty="0">
+                <a:latin typeface="Courier New" charset="0"/>
+              </a:rPr>
+              <a:t>[</a:t>
+            </a:r>
+            <a:r>
+              <a:rPr lang="en-US" sz="3200" b="1" dirty="0" err="1">
+                <a:latin typeface="Courier New" charset="0"/>
+              </a:rPr>
+              <a:t>i</a:t>
+            </a:r>
+            <a:r>
+              <a:rPr lang="en-US" sz="3200" b="1" dirty="0" smtClean="0">
+                <a:latin typeface="Courier New" charset="0"/>
+              </a:rPr>
+              <a:t>];</a:t>
+            </a:r>
+          </a:p>
+          <a:p>
+            <a:pPr marL="0" indent="0" eaLnBrk="1" fontAlgn="auto" hangingPunct="1">
+              <a:spcBef>
+                <a:spcPts val="0"/>
+              </a:spcBef>
+              <a:spcAft>
+                <a:spcPts val="0"/>
+              </a:spcAft>
+              <a:buClrTx/>
+              <a:buSzTx/>
+              <a:buNone/>
+            </a:pPr>
+            <a:r>
+              <a:rPr lang="en-US" sz="3200" b="1" dirty="0">
+                <a:latin typeface="Courier New" charset="0"/>
+              </a:rPr>
+              <a:t> </a:t>
+            </a:r>
+            <a:r>
+              <a:rPr lang="en-US" sz="3200" b="1" dirty="0" smtClean="0">
+                <a:latin typeface="Courier New" charset="0"/>
+              </a:rPr>
+              <a:t> }</a:t>
+            </a:r>
+            <a:r>
+              <a:rPr lang="en-US" sz="3200" b="1" dirty="0">
+                <a:latin typeface="Courier New" charset="0"/>
+              </a:rPr>
+              <a:t/>
+            </a:r>
+            <a:br>
+              <a:rPr lang="en-US" sz="3200" b="1" dirty="0">
+                <a:latin typeface="Courier New" charset="0"/>
+              </a:rPr>
+            </a:br>
+            <a:r>
+              <a:rPr lang="en-US" sz="3200" b="1" dirty="0">
+                <a:latin typeface="Courier New" charset="0"/>
+              </a:rPr>
+              <a:t>  return big;</a:t>
+            </a:r>
+            <a:br>
+              <a:rPr lang="en-US" sz="3200" b="1" dirty="0">
+                <a:latin typeface="Courier New" charset="0"/>
+              </a:rPr>
+            </a:br>
+            <a:r>
+              <a:rPr lang="en-US" sz="3200" b="1" dirty="0">
+                <a:latin typeface="Courier New" charset="0"/>
+              </a:rPr>
+              <a:t>} </a:t>
+            </a:r>
+          </a:p>
+          <a:p>
+            <a:pPr marL="0" marR="0" lvl="0" indent="0" defTabSz="914400" eaLnBrk="1" fontAlgn="auto" latinLnBrk="0" hangingPunct="1">
+              <a:lnSpc>
+                <a:spcPct val="100000"/>
+              </a:lnSpc>
+              <a:spcBef>
+                <a:spcPts val="0"/>
+              </a:spcBef>
+              <a:spcAft>
+                <a:spcPts val="0"/>
+              </a:spcAft>
+              <a:buClrTx/>
+              <a:buSzTx/>
+              <a:buFontTx/>
+              <a:buNone/>
+              <a:tabLst/>
+              <a:defRPr/>
+            </a:pPr>
+            <a:endParaRPr lang="en-US" dirty="0"/>
+          </a:p>
+        </p:txBody>
+      </p:sp>
+      <p:sp>
+        <p:nvSpPr>
           <p:cNvPr id="15363" name="Date Placeholder 3"/>
           <p:cNvSpPr>
             <a:spLocks noGrp="1"/>
           </p:cNvSpPr>
           <p:nvPr>
-            <p:ph type="dt" sz="quarter" idx="10"/>
+            <p:ph type="dt" sz="half" idx="10"/>
           </p:nvPr>
         </p:nvSpPr>
         <p:spPr>
@@ -7022,7 +7393,7 @@
               <a:rPr lang="en-US" sz="1200" smtClean="0">
                 <a:latin typeface="Garamond" charset="0"/>
               </a:rPr>
-              <a:t>10/25/18</a:t>
+              <a:t>10/26/18</a:t>
             </a:fld>
             <a:endParaRPr lang="en-US" sz="1200">
               <a:latin typeface="Garamond" charset="0"/>
@@ -7190,318 +7561,6 @@
             <a:endParaRPr lang="en-US" sz="1200">
               <a:latin typeface="Garamond" charset="0"/>
             </a:endParaRPr>
-          </a:p>
-        </p:txBody>
-      </p:sp>
-      <p:sp>
-        <p:nvSpPr>
-          <p:cNvPr id="15366" name="Text Box 3"/>
-          <p:cNvSpPr txBox="1">
-            <a:spLocks noChangeArrowheads="1"/>
-          </p:cNvSpPr>
-          <p:nvPr/>
-        </p:nvSpPr>
-        <p:spPr bwMode="auto">
-          <a:xfrm>
-            <a:off x="381000" y="962025"/>
-            <a:ext cx="8610600" cy="4524375"/>
-          </a:xfrm>
-          <a:prstGeom prst="rect">
-            <a:avLst/>
-          </a:prstGeom>
-          <a:noFill/>
-          <a:ln>
-            <a:noFill/>
-          </a:ln>
-          <a:extLst>
-            <a:ext uri="{909E8E84-426E-40DD-AFC4-6F175D3DCCD1}">
-              <a14:hiddenFill xmlns:a14="http://schemas.microsoft.com/office/drawing/2010/main">
-                <a:solidFill>
-                  <a:srgbClr val="FFFFFF"/>
-                </a:solidFill>
-              </a14:hiddenFill>
-            </a:ext>
-            <a:ext uri="{91240B29-F687-4F45-9708-019B960494DF}">
-              <a14:hiddenLine xmlns:a14="http://schemas.microsoft.com/office/drawing/2010/main" w="9525">
-                <a:solidFill>
-                  <a:srgbClr val="000000"/>
-                </a:solidFill>
-                <a:miter lim="800000"/>
-                <a:headEnd/>
-                <a:tailEnd/>
-              </a14:hiddenLine>
-            </a:ext>
-          </a:extLst>
-        </p:spPr>
-        <p:txBody>
-          <a:bodyPr>
-            <a:spAutoFit/>
-          </a:bodyPr>
-          <a:lstStyle>
-            <a:lvl1pPr>
-              <a:defRPr sz="3000">
-                <a:solidFill>
-                  <a:schemeClr val="tx1"/>
-                </a:solidFill>
-                <a:latin typeface="Arial" charset="0"/>
-                <a:ea typeface="ＭＳ Ｐゴシック" charset="0"/>
-                <a:cs typeface="ＭＳ Ｐゴシック" charset="0"/>
-              </a:defRPr>
-            </a:lvl1pPr>
-            <a:lvl2pPr marL="742950" indent="-285750">
-              <a:defRPr sz="2600">
-                <a:solidFill>
-                  <a:schemeClr val="tx1"/>
-                </a:solidFill>
-                <a:latin typeface="Arial" charset="0"/>
-                <a:ea typeface="ＭＳ Ｐゴシック" charset="0"/>
-              </a:defRPr>
-            </a:lvl2pPr>
-            <a:lvl3pPr marL="1143000" indent="-228600">
-              <a:defRPr sz="2200">
-                <a:solidFill>
-                  <a:schemeClr val="tx1"/>
-                </a:solidFill>
-                <a:latin typeface="Arial" charset="0"/>
-                <a:ea typeface="ＭＳ Ｐゴシック" charset="0"/>
-              </a:defRPr>
-            </a:lvl3pPr>
-            <a:lvl4pPr marL="1600200" indent="-228600">
-              <a:defRPr sz="2000">
-                <a:solidFill>
-                  <a:schemeClr val="tx1"/>
-                </a:solidFill>
-                <a:latin typeface="Arial" charset="0"/>
-                <a:ea typeface="ＭＳ Ｐゴシック" charset="0"/>
-              </a:defRPr>
-            </a:lvl4pPr>
-            <a:lvl5pPr marL="2057400" indent="-228600">
-              <a:defRPr sz="2000">
-                <a:solidFill>
-                  <a:schemeClr val="tx1"/>
-                </a:solidFill>
-                <a:latin typeface="Arial" charset="0"/>
-                <a:ea typeface="ＭＳ Ｐゴシック" charset="0"/>
-              </a:defRPr>
-            </a:lvl5pPr>
-            <a:lvl6pPr marL="2514600" indent="-228600" eaLnBrk="0" hangingPunct="0">
-              <a:buFont typeface="Wingdings" charset="0"/>
-              <a:defRPr sz="2000">
-                <a:solidFill>
-                  <a:schemeClr val="tx1"/>
-                </a:solidFill>
-                <a:latin typeface="Arial" charset="0"/>
-                <a:ea typeface="ＭＳ Ｐゴシック" charset="0"/>
-              </a:defRPr>
-            </a:lvl6pPr>
-            <a:lvl7pPr marL="2971800" indent="-228600" eaLnBrk="0" hangingPunct="0">
-              <a:buFont typeface="Wingdings" charset="0"/>
-              <a:defRPr sz="2000">
-                <a:solidFill>
-                  <a:schemeClr val="tx1"/>
-                </a:solidFill>
-                <a:latin typeface="Arial" charset="0"/>
-                <a:ea typeface="ＭＳ Ｐゴシック" charset="0"/>
-              </a:defRPr>
-            </a:lvl7pPr>
-            <a:lvl8pPr marL="3429000" indent="-228600" eaLnBrk="0" hangingPunct="0">
-              <a:buFont typeface="Wingdings" charset="0"/>
-              <a:defRPr sz="2000">
-                <a:solidFill>
-                  <a:schemeClr val="tx1"/>
-                </a:solidFill>
-                <a:latin typeface="Arial" charset="0"/>
-                <a:ea typeface="ＭＳ Ｐゴシック" charset="0"/>
-              </a:defRPr>
-            </a:lvl8pPr>
-            <a:lvl9pPr marL="3886200" indent="-228600" eaLnBrk="0" hangingPunct="0">
-              <a:buFont typeface="Wingdings" charset="0"/>
-              <a:defRPr sz="2000">
-                <a:solidFill>
-                  <a:schemeClr val="tx1"/>
-                </a:solidFill>
-                <a:latin typeface="Arial" charset="0"/>
-                <a:ea typeface="ＭＳ Ｐゴシック" charset="0"/>
-              </a:defRPr>
-            </a:lvl9pPr>
-          </a:lstStyle>
-          <a:p>
-            <a:pPr>
-              <a:spcBef>
-                <a:spcPct val="50000"/>
-              </a:spcBef>
-            </a:pPr>
-            <a:r>
-              <a:rPr lang="en-US" sz="1800" b="1">
-                <a:latin typeface="Courier New" charset="0"/>
-              </a:rPr>
-              <a:t>//*******************************************</a:t>
-            </a:r>
-            <a:br>
-              <a:rPr lang="en-US" sz="1800" b="1">
-                <a:latin typeface="Courier New" charset="0"/>
-              </a:rPr>
-            </a:br>
-            <a:r>
-              <a:rPr lang="en-US" sz="1800" b="1">
-                <a:latin typeface="Courier New" charset="0"/>
-              </a:rPr>
-              <a:t>// function findMax</a:t>
-            </a:r>
-            <a:br>
-              <a:rPr lang="en-US" sz="1800" b="1">
-                <a:latin typeface="Courier New" charset="0"/>
-              </a:rPr>
-            </a:br>
-            <a:r>
-              <a:rPr lang="en-US" sz="1800" b="1">
-                <a:latin typeface="Courier New" charset="0"/>
-              </a:rPr>
-              <a:t>// On Entry:</a:t>
-            </a:r>
-            <a:br>
-              <a:rPr lang="en-US" sz="1800" b="1">
-                <a:latin typeface="Courier New" charset="0"/>
-              </a:rPr>
-            </a:br>
-            <a:r>
-              <a:rPr lang="en-US" sz="1800" b="1">
-                <a:latin typeface="Courier New" charset="0"/>
-              </a:rPr>
-              <a:t>//   arr[] - array with values</a:t>
-            </a:r>
-            <a:br>
-              <a:rPr lang="en-US" sz="1800" b="1">
-                <a:latin typeface="Courier New" charset="0"/>
-              </a:rPr>
-            </a:br>
-            <a:r>
-              <a:rPr lang="en-US" sz="1800" b="1">
-                <a:latin typeface="Courier New" charset="0"/>
-              </a:rPr>
-              <a:t>//   n      - number of elements to examine</a:t>
-            </a:r>
-            <a:br>
-              <a:rPr lang="en-US" sz="1800" b="1">
-                <a:latin typeface="Courier New" charset="0"/>
-              </a:rPr>
-            </a:br>
-            <a:r>
-              <a:rPr lang="en-US" sz="1800" b="1">
-                <a:latin typeface="Courier New" charset="0"/>
-              </a:rPr>
-              <a:t>// On Exit:</a:t>
-            </a:r>
-            <a:br>
-              <a:rPr lang="en-US" sz="1800" b="1">
-                <a:latin typeface="Courier New" charset="0"/>
-              </a:rPr>
-            </a:br>
-            <a:r>
-              <a:rPr lang="en-US" sz="1800" b="1">
-                <a:latin typeface="Courier New" charset="0"/>
-              </a:rPr>
-              <a:t>//   returns biggest (most positive value in</a:t>
-            </a:r>
-            <a:br>
-              <a:rPr lang="en-US" sz="1800" b="1">
-                <a:latin typeface="Courier New" charset="0"/>
-              </a:rPr>
-            </a:br>
-            <a:r>
-              <a:rPr lang="en-US" sz="1800" b="1">
-                <a:latin typeface="Courier New" charset="0"/>
-              </a:rPr>
-              <a:t>//   the first n elements of test[]</a:t>
-            </a:r>
-            <a:br>
-              <a:rPr lang="en-US" sz="1800" b="1">
-                <a:latin typeface="Courier New" charset="0"/>
-              </a:rPr>
-            </a:br>
-            <a:r>
-              <a:rPr lang="en-US" sz="1800" b="1">
-                <a:latin typeface="Courier New" charset="0"/>
-              </a:rPr>
-              <a:t>int findMax(int arr[], int n)</a:t>
-            </a:r>
-            <a:br>
-              <a:rPr lang="en-US" sz="1800" b="1">
-                <a:latin typeface="Courier New" charset="0"/>
-              </a:rPr>
-            </a:br>
-            <a:r>
-              <a:rPr lang="en-US" sz="1800" b="1">
-                <a:latin typeface="Courier New" charset="0"/>
-              </a:rPr>
-              <a:t>{</a:t>
-            </a:r>
-            <a:br>
-              <a:rPr lang="en-US" sz="1800" b="1">
-                <a:latin typeface="Courier New" charset="0"/>
-              </a:rPr>
-            </a:br>
-            <a:r>
-              <a:rPr lang="en-US" sz="1800" b="1">
-                <a:latin typeface="Courier New" charset="0"/>
-              </a:rPr>
-              <a:t>  int i, big;</a:t>
-            </a:r>
-            <a:br>
-              <a:rPr lang="en-US" sz="1800" b="1">
-                <a:latin typeface="Courier New" charset="0"/>
-              </a:rPr>
-            </a:br>
-            <a:r>
-              <a:rPr lang="en-US" sz="1800" b="1">
-                <a:latin typeface="Courier New" charset="0"/>
-              </a:rPr>
-              <a:t>  big = arr[0];</a:t>
-            </a:r>
-            <a:br>
-              <a:rPr lang="en-US" sz="1800" b="1">
-                <a:latin typeface="Courier New" charset="0"/>
-              </a:rPr>
-            </a:br>
-            <a:r>
-              <a:rPr lang="en-US" sz="1800" b="1">
-                <a:latin typeface="Courier New" charset="0"/>
-              </a:rPr>
-              <a:t>  for (i=1; i&lt;n; i++)</a:t>
-            </a:r>
-            <a:br>
-              <a:rPr lang="en-US" sz="1800" b="1">
-                <a:latin typeface="Courier New" charset="0"/>
-              </a:rPr>
-            </a:br>
-            <a:r>
-              <a:rPr lang="en-US" sz="1800" b="1">
-                <a:latin typeface="Courier New" charset="0"/>
-              </a:rPr>
-              <a:t>    if (arr[i]&gt;big) big = arr[i];</a:t>
-            </a:r>
-            <a:br>
-              <a:rPr lang="en-US" sz="1800" b="1">
-                <a:latin typeface="Courier New" charset="0"/>
-              </a:rPr>
-            </a:br>
-            <a:r>
-              <a:rPr lang="en-US" sz="1800" b="1">
-                <a:latin typeface="Courier New" charset="0"/>
-              </a:rPr>
-              <a:t>  return big;</a:t>
-            </a:r>
-            <a:br>
-              <a:rPr lang="en-US" sz="1800" b="1">
-                <a:latin typeface="Courier New" charset="0"/>
-              </a:rPr>
-            </a:br>
-            <a:r>
-              <a:rPr lang="en-US" sz="1800" b="1">
-                <a:latin typeface="Courier New" charset="0"/>
-              </a:rPr>
-              <a:t>} </a:t>
-            </a:r>
           </a:p>
         </p:txBody>
       </p:sp>
@@ -7753,7 +7812,7 @@
               <a:rPr lang="en-US" sz="1200" smtClean="0">
                 <a:latin typeface="Garamond" charset="0"/>
               </a:rPr>
-              <a:t>10/25/18</a:t>
+              <a:t>10/26/18</a:t>
             </a:fld>
             <a:endParaRPr lang="en-US" sz="1200">
               <a:latin typeface="Garamond" charset="0"/>
@@ -8113,7 +8172,7 @@
               <a:rPr lang="en-US" sz="1200" smtClean="0">
                 <a:latin typeface="Garamond" charset="0"/>
               </a:rPr>
-              <a:t>10/25/18</a:t>
+              <a:t>10/26/18</a:t>
             </a:fld>
             <a:endParaRPr lang="en-US" sz="1200">
               <a:latin typeface="Garamond" charset="0"/>
@@ -9091,7 +9150,7 @@
               <a:rPr lang="en-US" sz="1200" smtClean="0">
                 <a:latin typeface="Garamond" charset="0"/>
               </a:rPr>
-              <a:t>10/25/18</a:t>
+              <a:t>10/26/18</a:t>
             </a:fld>
             <a:endParaRPr lang="en-US" sz="1200">
               <a:latin typeface="Garamond" charset="0"/>
@@ -9648,7 +9707,7 @@
               <a:rPr lang="en-US" sz="1200" smtClean="0">
                 <a:latin typeface="Garamond" charset="0"/>
               </a:rPr>
-              <a:t>10/25/18</a:t>
+              <a:t>10/26/18</a:t>
             </a:fld>
             <a:endParaRPr lang="en-US" sz="1200">
               <a:latin typeface="Garamond" charset="0"/>
@@ -19122,7 +19181,7 @@
               <a:rPr lang="en-US" sz="1200" smtClean="0">
                 <a:latin typeface="Garamond" charset="0"/>
               </a:rPr>
-              <a:t>10/25/18</a:t>
+              <a:t>10/26/18</a:t>
             </a:fld>
             <a:endParaRPr lang="en-US" sz="1200">
               <a:latin typeface="Garamond" charset="0"/>
@@ -19399,41 +19458,66 @@
           <a:p>
             <a:pPr lvl="1"/>
             <a:r>
-              <a:rPr lang="en-US">
-                <a:latin typeface="Arial" charset="0"/>
-              </a:rPr>
-              <a:t>Program 5 due 11/2</a:t>
-            </a:r>
-          </a:p>
-          <a:p>
-            <a:pPr lvl="1"/>
-            <a:r>
-              <a:rPr lang="en-US">
-                <a:latin typeface="Arial" charset="0"/>
-              </a:rPr>
-              <a:t>Exam 2 in class Monday, 11/5</a:t>
-            </a:r>
-          </a:p>
-          <a:p>
-            <a:pPr lvl="2"/>
-            <a:r>
-              <a:rPr lang="en-US">
-                <a:latin typeface="Arial" charset="0"/>
-              </a:rPr>
-              <a:t>Will cover lectures 14-24 (except lecture 16)</a:t>
-            </a:r>
-          </a:p>
-          <a:p>
-            <a:pPr lvl="2"/>
-            <a:r>
-              <a:rPr lang="en-US">
-                <a:latin typeface="Arial" charset="0"/>
-              </a:rPr>
-              <a:t>Lec. 25: Exam 2 Preview (Fri. 11/2)</a:t>
+              <a:rPr lang="en-US" dirty="0">
+                <a:latin typeface="Arial" charset="0"/>
+              </a:rPr>
+              <a:t>Program 5 due </a:t>
+            </a:r>
+            <a:r>
+              <a:rPr lang="en-US" strike="sngStrike" dirty="0">
+                <a:latin typeface="Arial" charset="0"/>
+              </a:rPr>
+              <a:t>11/2 </a:t>
+            </a:r>
+            <a:r>
+              <a:rPr lang="en-US" dirty="0">
+                <a:latin typeface="Arial" charset="0"/>
+                <a:sym typeface="Wingdings" panose="05000000000000000000" pitchFamily="2" charset="2"/>
+              </a:rPr>
+              <a:t> 11/7</a:t>
             </a:r>
             <a:endParaRPr lang="en-US" dirty="0">
               <a:latin typeface="Arial" charset="0"/>
             </a:endParaRPr>
+          </a:p>
+          <a:p>
+            <a:pPr lvl="1"/>
+            <a:r>
+              <a:rPr lang="en-US" dirty="0" smtClean="0">
+                <a:latin typeface="Arial" charset="0"/>
+              </a:rPr>
+              <a:t>Exam </a:t>
+            </a:r>
+            <a:r>
+              <a:rPr lang="en-US" dirty="0">
+                <a:latin typeface="Arial" charset="0"/>
+              </a:rPr>
+              <a:t>2 in class Monday, 11/5</a:t>
+            </a:r>
+          </a:p>
+          <a:p>
+            <a:pPr lvl="2"/>
+            <a:r>
+              <a:rPr lang="en-US" dirty="0">
+                <a:latin typeface="Arial" charset="0"/>
+              </a:rPr>
+              <a:t>Will cover lectures 14-24 (except lecture 16)</a:t>
+            </a:r>
+          </a:p>
+          <a:p>
+            <a:pPr lvl="2"/>
+            <a:r>
+              <a:rPr lang="en-US" dirty="0" err="1">
+                <a:latin typeface="Arial" charset="0"/>
+              </a:rPr>
+              <a:t>Lec</a:t>
+            </a:r>
+            <a:r>
+              <a:rPr lang="en-US" dirty="0">
+                <a:latin typeface="Arial" charset="0"/>
+              </a:rPr>
+              <a:t>. 25: Exam 2 Preview (Fri. 11/2)</a:t>
+            </a:r>
           </a:p>
         </p:txBody>
       </p:sp>
@@ -19586,7 +19670,7 @@
               <a:rPr lang="en-US" sz="1200" smtClean="0">
                 <a:latin typeface="Garamond" charset="0"/>
               </a:rPr>
-              <a:t>10/25/18</a:t>
+              <a:t>10/26/18</a:t>
             </a:fld>
             <a:endParaRPr lang="en-US" sz="1200">
               <a:latin typeface="Garamond" charset="0"/>
@@ -19864,7 +19948,20 @@
               <a:rPr lang="en-US" dirty="0" smtClean="0">
                 <a:latin typeface="Arial" charset="0"/>
               </a:rPr>
-              <a:t>Program 5 due 11/2</a:t>
+              <a:t>Program 5 due </a:t>
+            </a:r>
+            <a:r>
+              <a:rPr lang="en-US" strike="sngStrike" dirty="0" smtClean="0">
+                <a:latin typeface="Arial" charset="0"/>
+              </a:rPr>
+              <a:t>11/2 </a:t>
+            </a:r>
+            <a:r>
+              <a:rPr lang="en-US" dirty="0" smtClean="0">
+                <a:latin typeface="Arial" charset="0"/>
+                <a:sym typeface="Wingdings" panose="05000000000000000000" pitchFamily="2" charset="2"/>
+              </a:rPr>
+              <a:t> 11/7</a:t>
             </a:r>
             <a:endParaRPr lang="en-US" dirty="0" smtClean="0">
               <a:latin typeface="Arial" charset="0"/>
@@ -19876,105 +19973,48 @@
               <a:rPr lang="en-US" dirty="0" smtClean="0">
                 <a:latin typeface="Arial" charset="0"/>
               </a:rPr>
-              <a:t>Exam </a:t>
-            </a:r>
+              <a:t>Exam 2 in class Monday, 11/5</a:t>
+            </a:r>
+          </a:p>
+          <a:p>
+            <a:pPr lvl="2"/>
             <a:r>
               <a:rPr lang="en-US" dirty="0" smtClean="0">
                 <a:latin typeface="Arial" charset="0"/>
               </a:rPr>
-              <a:t>2 in class </a:t>
+              <a:t>Will cover lectures 14-24 (except lecture 16)</a:t>
+            </a:r>
+          </a:p>
+          <a:p>
+            <a:pPr lvl="2"/>
+            <a:r>
+              <a:rPr lang="en-US" dirty="0" err="1" smtClean="0">
+                <a:latin typeface="Arial" charset="0"/>
+              </a:rPr>
+              <a:t>Lec</a:t>
             </a:r>
             <a:r>
               <a:rPr lang="en-US" dirty="0" smtClean="0">
                 <a:latin typeface="Arial" charset="0"/>
               </a:rPr>
-              <a:t>Monday, 11/5</a:t>
-            </a:r>
-            <a:endParaRPr lang="en-US" dirty="0" smtClean="0">
-              <a:latin typeface="Arial" charset="0"/>
-            </a:endParaRPr>
-          </a:p>
-          <a:p>
-            <a:pPr lvl="2"/>
+              <a:t>. 25: Exam 2 Preview (Fri. 11/2)</a:t>
+            </a:r>
+          </a:p>
+          <a:p>
             <a:r>
               <a:rPr lang="en-US" dirty="0" smtClean="0">
                 <a:latin typeface="Arial" charset="0"/>
               </a:rPr>
-              <a:t>Will cover lectures </a:t>
-            </a:r>
+              <a:t>Today’s lecture</a:t>
+            </a:r>
+          </a:p>
+          <a:p>
+            <a:pPr lvl="1"/>
             <a:r>
               <a:rPr lang="en-US" dirty="0" smtClean="0">
                 <a:latin typeface="Arial" charset="0"/>
               </a:rPr>
-              <a:t>14-24 (except lecture 16)</a:t>
-            </a:r>
-            <a:endParaRPr lang="en-US" dirty="0" smtClean="0">
-              <a:latin typeface="Arial" charset="0"/>
-            </a:endParaRPr>
-          </a:p>
-          <a:p>
-            <a:pPr lvl="2"/>
-            <a:r>
-              <a:rPr lang="en-US" dirty="0" err="1" smtClean="0">
-                <a:latin typeface="Arial" charset="0"/>
-              </a:rPr>
-              <a:t>Lec</a:t>
-            </a:r>
-            <a:r>
-              <a:rPr lang="en-US" dirty="0" smtClean="0">
-                <a:latin typeface="Arial" charset="0"/>
-              </a:rPr>
-              <a:t>. </a:t>
-            </a:r>
-            <a:r>
-              <a:rPr lang="en-US" dirty="0" smtClean="0">
-                <a:latin typeface="Arial" charset="0"/>
-              </a:rPr>
-              <a:t>25: </a:t>
-            </a:r>
-            <a:r>
-              <a:rPr lang="en-US" dirty="0" smtClean="0">
-                <a:latin typeface="Arial" charset="0"/>
-              </a:rPr>
-              <a:t>Exam 2 Preview </a:t>
-            </a:r>
-            <a:r>
-              <a:rPr lang="en-US" dirty="0" smtClean="0">
-                <a:latin typeface="Arial" charset="0"/>
-              </a:rPr>
-              <a:t>(Fri. 11/2)</a:t>
-            </a:r>
-            <a:endParaRPr lang="en-US" dirty="0" smtClean="0">
-              <a:latin typeface="Arial" charset="0"/>
-            </a:endParaRPr>
-          </a:p>
-          <a:p>
-            <a:r>
-              <a:rPr lang="en-US" dirty="0" smtClean="0">
-                <a:latin typeface="Arial" charset="0"/>
-              </a:rPr>
-              <a:t>Today’s lecture</a:t>
-            </a:r>
-          </a:p>
-          <a:p>
-            <a:pPr lvl="1"/>
-            <a:r>
-              <a:rPr lang="en-US" dirty="0" smtClean="0">
-                <a:latin typeface="Arial" charset="0"/>
-              </a:rPr>
-              <a:t>Review: </a:t>
-            </a:r>
-            <a:r>
-              <a:rPr lang="en-US" dirty="0" smtClean="0">
-                <a:latin typeface="Arial" charset="0"/>
-              </a:rPr>
-              <a:t>one- and two-dimensional </a:t>
-            </a:r>
-            <a:r>
-              <a:rPr lang="en-US" dirty="0" smtClean="0">
-                <a:latin typeface="Arial" charset="0"/>
-              </a:rPr>
-              <a:t>arrays</a:t>
+              <a:t>Review: one- and two-dimensional arrays</a:t>
             </a:r>
             <a:endParaRPr lang="en-US" dirty="0">
               <a:latin typeface="Arial" charset="0"/>
@@ -19986,17 +20026,8 @@
               <a:rPr lang="en-US" dirty="0" smtClean="0">
                 <a:latin typeface="Arial" charset="0"/>
               </a:rPr>
-              <a:t>Arrays and </a:t>
-            </a:r>
-            <a:r>
-              <a:rPr lang="en-US" dirty="0" smtClean="0">
-                <a:latin typeface="Arial" charset="0"/>
-              </a:rPr>
-              <a:t>functions</a:t>
-            </a:r>
-            <a:endParaRPr lang="en-US" dirty="0" smtClean="0">
-              <a:latin typeface="Arial" charset="0"/>
-            </a:endParaRPr>
+              <a:t>Arrays and functions</a:t>
+            </a:r>
           </a:p>
         </p:txBody>
       </p:sp>
@@ -20149,7 +20180,7 @@
               <a:rPr lang="en-US" sz="1200" smtClean="0">
                 <a:latin typeface="Garamond" charset="0"/>
               </a:rPr>
-              <a:t>10/25/18</a:t>
+              <a:t>10/26/18</a:t>
             </a:fld>
             <a:endParaRPr lang="en-US" sz="1200">
               <a:latin typeface="Garamond" charset="0"/>
@@ -20647,15 +20678,15 @@
           <a:noFill/>
           <a:ln/>
           <a:extLst>
-            <a:ext uri="{909E8E84-426E-40dd-AFC4-6F175D3DCCD1}">
-              <a14:hiddenFill xmlns:a14="http://schemas.microsoft.com/office/drawing/2010/main" xmlns="">
+            <a:ext uri="{909E8E84-426E-40DD-AFC4-6F175D3DCCD1}">
+              <a14:hiddenFill xmlns:a14="http://schemas.microsoft.com/office/drawing/2010/main">
                 <a:solidFill>
                   <a:srgbClr val="FFFFFF"/>
                 </a:solidFill>
               </a14:hiddenFill>
             </a:ext>
-            <a:ext uri="{91240B29-F687-4f45-9708-019B960494DF}">
-              <a14:hiddenLine xmlns:a14="http://schemas.microsoft.com/office/drawing/2010/main" xmlns="" w="9525">
+            <a:ext uri="{91240B29-F687-4F45-9708-019B960494DF}">
+              <a14:hiddenLine xmlns:a14="http://schemas.microsoft.com/office/drawing/2010/main" w="9525">
                 <a:solidFill>
                   <a:srgbClr val="000000"/>
                 </a:solidFill>
@@ -20761,7 +20792,7 @@
               <a:rPr lang="en-US" sz="1200" smtClean="0">
                 <a:latin typeface="Garamond" charset="0"/>
               </a:rPr>
-              <a:t>10/25/18</a:t>
+              <a:t>10/26/18</a:t>
             </a:fld>
             <a:endParaRPr lang="en-US" sz="1200">
               <a:latin typeface="Garamond" charset="0"/>
@@ -20809,15 +20840,15 @@
           <a:noFill/>
           <a:ln/>
           <a:extLst>
-            <a:ext uri="{909E8E84-426E-40dd-AFC4-6F175D3DCCD1}">
-              <a14:hiddenFill xmlns:a14="http://schemas.microsoft.com/office/drawing/2010/main" xmlns="">
+            <a:ext uri="{909E8E84-426E-40DD-AFC4-6F175D3DCCD1}">
+              <a14:hiddenFill xmlns:a14="http://schemas.microsoft.com/office/drawing/2010/main">
                 <a:solidFill>
                   <a:srgbClr val="FFFFFF"/>
                 </a:solidFill>
               </a14:hiddenFill>
             </a:ext>
-            <a:ext uri="{91240B29-F687-4f45-9708-019B960494DF}">
-              <a14:hiddenLine xmlns:a14="http://schemas.microsoft.com/office/drawing/2010/main" xmlns="" w="9525">
+            <a:ext uri="{91240B29-F687-4F45-9708-019B960494DF}">
+              <a14:hiddenLine xmlns:a14="http://schemas.microsoft.com/office/drawing/2010/main" w="9525">
                 <a:solidFill>
                   <a:srgbClr val="000000"/>
                 </a:solidFill>
@@ -21213,7 +21244,7 @@
               <a:rPr lang="en-US" sz="1200" smtClean="0">
                 <a:latin typeface="Garamond" charset="0"/>
               </a:rPr>
-              <a:t>10/25/18</a:t>
+              <a:t>10/26/18</a:t>
             </a:fld>
             <a:endParaRPr lang="en-US" sz="1200">
               <a:latin typeface="Garamond" charset="0"/>
@@ -23021,7 +23052,7 @@
               <a:rPr lang="en-US" sz="1200" smtClean="0">
                 <a:latin typeface="Garamond" charset="0"/>
               </a:rPr>
-              <a:t>10/25/18</a:t>
+              <a:t>10/26/18</a:t>
             </a:fld>
             <a:endParaRPr lang="en-US" sz="1200">
               <a:latin typeface="Garamond" charset="0"/>
@@ -24233,15 +24264,15 @@
           <a:noFill/>
           <a:ln/>
           <a:extLst>
-            <a:ext uri="{909E8E84-426E-40dd-AFC4-6F175D3DCCD1}">
-              <a14:hiddenFill xmlns:a14="http://schemas.microsoft.com/office/drawing/2010/main" xmlns="">
+            <a:ext uri="{909E8E84-426E-40DD-AFC4-6F175D3DCCD1}">
+              <a14:hiddenFill xmlns:a14="http://schemas.microsoft.com/office/drawing/2010/main">
                 <a:solidFill>
                   <a:srgbClr val="FFFFFF"/>
                 </a:solidFill>
               </a14:hiddenFill>
             </a:ext>
-            <a:ext uri="{91240B29-F687-4f45-9708-019B960494DF}">
-              <a14:hiddenLine xmlns:a14="http://schemas.microsoft.com/office/drawing/2010/main" xmlns="" w="9525">
+            <a:ext uri="{91240B29-F687-4F45-9708-019B960494DF}">
+              <a14:hiddenLine xmlns:a14="http://schemas.microsoft.com/office/drawing/2010/main" w="9525">
                 <a:solidFill>
                   <a:srgbClr val="000000"/>
                 </a:solidFill>
@@ -24368,7 +24399,7 @@
               <a:rPr lang="en-US" sz="1200" smtClean="0">
                 <a:latin typeface="Garamond" charset="0"/>
               </a:rPr>
-              <a:t>10/25/18</a:t>
+              <a:t>10/26/18</a:t>
             </a:fld>
             <a:endParaRPr lang="en-US" sz="1200">
               <a:latin typeface="Garamond" charset="0"/>
@@ -24416,15 +24447,15 @@
           <a:noFill/>
           <a:ln/>
           <a:extLst>
-            <a:ext uri="{909E8E84-426E-40dd-AFC4-6F175D3DCCD1}">
-              <a14:hiddenFill xmlns:a14="http://schemas.microsoft.com/office/drawing/2010/main" xmlns="">
+            <a:ext uri="{909E8E84-426E-40DD-AFC4-6F175D3DCCD1}">
+              <a14:hiddenFill xmlns:a14="http://schemas.microsoft.com/office/drawing/2010/main">
                 <a:solidFill>
                   <a:srgbClr val="FFFFFF"/>
                 </a:solidFill>
               </a14:hiddenFill>
             </a:ext>
-            <a:ext uri="{91240B29-F687-4f45-9708-019B960494DF}">
-              <a14:hiddenLine xmlns:a14="http://schemas.microsoft.com/office/drawing/2010/main" xmlns="" w="9525">
+            <a:ext uri="{91240B29-F687-4F45-9708-019B960494DF}">
+              <a14:hiddenLine xmlns:a14="http://schemas.microsoft.com/office/drawing/2010/main" w="9525">
                 <a:solidFill>
                   <a:srgbClr val="000000"/>
                 </a:solidFill>
@@ -25057,15 +25088,15 @@
           <a:noFill/>
           <a:ln/>
           <a:extLst>
-            <a:ext uri="{909E8E84-426E-40dd-AFC4-6F175D3DCCD1}">
-              <a14:hiddenFill xmlns:a14="http://schemas.microsoft.com/office/drawing/2010/main" xmlns="">
+            <a:ext uri="{909E8E84-426E-40DD-AFC4-6F175D3DCCD1}">
+              <a14:hiddenFill xmlns:a14="http://schemas.microsoft.com/office/drawing/2010/main">
                 <a:solidFill>
                   <a:srgbClr val="FFFFFF"/>
                 </a:solidFill>
               </a14:hiddenFill>
             </a:ext>
-            <a:ext uri="{91240B29-F687-4f45-9708-019B960494DF}">
-              <a14:hiddenLine xmlns:a14="http://schemas.microsoft.com/office/drawing/2010/main" xmlns="" w="9525">
+            <a:ext uri="{91240B29-F687-4F45-9708-019B960494DF}">
+              <a14:hiddenLine xmlns:a14="http://schemas.microsoft.com/office/drawing/2010/main" w="9525">
                 <a:solidFill>
                   <a:srgbClr val="000000"/>
                 </a:solidFill>
@@ -25192,7 +25223,7 @@
               <a:rPr lang="en-US" sz="1200" smtClean="0">
                 <a:latin typeface="Garamond" charset="0"/>
               </a:rPr>
-              <a:t>10/25/18</a:t>
+              <a:t>10/26/18</a:t>
             </a:fld>
             <a:endParaRPr lang="en-US" sz="1200">
               <a:latin typeface="Garamond" charset="0"/>
@@ -25240,15 +25271,15 @@
           <a:noFill/>
           <a:ln/>
           <a:extLst>
-            <a:ext uri="{909E8E84-426E-40dd-AFC4-6F175D3DCCD1}">
-              <a14:hiddenFill xmlns:a14="http://schemas.microsoft.com/office/drawing/2010/main" xmlns="">
+            <a:ext uri="{909E8E84-426E-40DD-AFC4-6F175D3DCCD1}">
+              <a14:hiddenFill xmlns:a14="http://schemas.microsoft.com/office/drawing/2010/main">
                 <a:solidFill>
                   <a:srgbClr val="FFFFFF"/>
                 </a:solidFill>
               </a14:hiddenFill>
             </a:ext>
-            <a:ext uri="{91240B29-F687-4f45-9708-019B960494DF}">
-              <a14:hiddenLine xmlns:a14="http://schemas.microsoft.com/office/drawing/2010/main" xmlns="" w="9525">
+            <a:ext uri="{91240B29-F687-4F45-9708-019B960494DF}">
+              <a14:hiddenLine xmlns:a14="http://schemas.microsoft.com/office/drawing/2010/main" w="9525">
                 <a:solidFill>
                   <a:srgbClr val="000000"/>
                 </a:solidFill>
@@ -25579,15 +25610,15 @@
           <a:noFill/>
           <a:ln/>
           <a:extLst>
-            <a:ext uri="{909E8E84-426E-40dd-AFC4-6F175D3DCCD1}">
-              <a14:hiddenFill xmlns:a14="http://schemas.microsoft.com/office/drawing/2010/main" xmlns="">
+            <a:ext uri="{909E8E84-426E-40DD-AFC4-6F175D3DCCD1}">
+              <a14:hiddenFill xmlns:a14="http://schemas.microsoft.com/office/drawing/2010/main">
                 <a:solidFill>
                   <a:srgbClr val="FFFFFF"/>
                 </a:solidFill>
               </a14:hiddenFill>
             </a:ext>
-            <a:ext uri="{91240B29-F687-4f45-9708-019B960494DF}">
-              <a14:hiddenLine xmlns:a14="http://schemas.microsoft.com/office/drawing/2010/main" xmlns="" w="9525">
+            <a:ext uri="{91240B29-F687-4F45-9708-019B960494DF}">
+              <a14:hiddenLine xmlns:a14="http://schemas.microsoft.com/office/drawing/2010/main" w="9525">
                 <a:solidFill>
                   <a:srgbClr val="000000"/>
                 </a:solidFill>
@@ -25714,7 +25745,7 @@
               <a:rPr lang="en-US" sz="1200" smtClean="0">
                 <a:latin typeface="Garamond" charset="0"/>
               </a:rPr>
-              <a:t>10/25/18</a:t>
+              <a:t>10/26/18</a:t>
             </a:fld>
             <a:endParaRPr lang="en-US" sz="1200">
               <a:latin typeface="Garamond" charset="0"/>
@@ -25762,15 +25793,15 @@
           <a:noFill/>
           <a:ln/>
           <a:extLst>
-            <a:ext uri="{909E8E84-426E-40dd-AFC4-6F175D3DCCD1}">
-              <a14:hiddenFill xmlns:a14="http://schemas.microsoft.com/office/drawing/2010/main" xmlns="">
+            <a:ext uri="{909E8E84-426E-40DD-AFC4-6F175D3DCCD1}">
+              <a14:hiddenFill xmlns:a14="http://schemas.microsoft.com/office/drawing/2010/main">
                 <a:solidFill>
                   <a:srgbClr val="FFFFFF"/>
                 </a:solidFill>
               </a14:hiddenFill>
             </a:ext>
-            <a:ext uri="{91240B29-F687-4f45-9708-019B960494DF}">
-              <a14:hiddenLine xmlns:a14="http://schemas.microsoft.com/office/drawing/2010/main" xmlns="" w="9525">
+            <a:ext uri="{91240B29-F687-4F45-9708-019B960494DF}">
+              <a14:hiddenLine xmlns:a14="http://schemas.microsoft.com/office/drawing/2010/main" w="9525">
                 <a:solidFill>
                   <a:srgbClr val="000000"/>
                 </a:solidFill>
@@ -26176,7 +26207,7 @@
               <a:rPr lang="en-US" sz="1200" smtClean="0">
                 <a:latin typeface="Garamond" charset="0"/>
               </a:rPr>
-              <a:t>10/25/18</a:t>
+              <a:t>10/26/18</a:t>
             </a:fld>
             <a:endParaRPr lang="en-US" sz="1200">
               <a:latin typeface="Garamond" charset="0"/>
